--- a/files/Intensity_icons.pptx
+++ b/files/Intensity_icons.pptx
@@ -16,6 +16,7 @@
     <p:sldId id="263" r:id="rId10"/>
     <p:sldId id="264" r:id="rId11"/>
     <p:sldId id="265" r:id="rId12"/>
+    <p:sldId id="268" r:id="rId13"/>
   </p:sldIdLst>
   <p:sldSz cx="7199313" cy="7199313"/>
   <p:notesSz cx="6858000" cy="9144000"/>
@@ -3646,6 +3647,143 @@
 </p:sld>
 </file>
 
+<file path=ppt/slides/slide12.xml><?xml version="1.0" encoding="utf-8"?>
+<p:sld xmlns:a="http://schemas.openxmlformats.org/drawingml/2006/main" xmlns:r="http://schemas.openxmlformats.org/officeDocument/2006/relationships" xmlns:p="http://schemas.openxmlformats.org/presentationml/2006/main">
+  <p:cSld>
+    <p:spTree>
+      <p:nvGrpSpPr>
+        <p:cNvPr id="1" name=""/>
+        <p:cNvGrpSpPr/>
+        <p:nvPr/>
+      </p:nvGrpSpPr>
+      <p:grpSpPr>
+        <a:xfrm>
+          <a:off x="0" y="0"/>
+          <a:ext cx="0" cy="0"/>
+          <a:chOff x="0" y="0"/>
+          <a:chExt cx="0" cy="0"/>
+        </a:xfrm>
+      </p:grpSpPr>
+      <p:sp>
+        <p:nvSpPr>
+          <p:cNvPr id="6" name="正方形/長方形 5">
+            <a:extLst>
+              <a:ext uri="{FF2B5EF4-FFF2-40B4-BE49-F238E27FC236}">
+                <a16:creationId xmlns:a16="http://schemas.microsoft.com/office/drawing/2014/main" id="{7FA4FBB3-1B73-1188-6382-D9BF31392FAD}"/>
+              </a:ext>
+            </a:extLst>
+          </p:cNvPr>
+          <p:cNvSpPr/>
+          <p:nvPr/>
+        </p:nvSpPr>
+        <p:spPr>
+          <a:xfrm>
+            <a:off x="1" y="-1"/>
+            <a:ext cx="7199312" cy="7199313"/>
+          </a:xfrm>
+          <a:prstGeom prst="rect">
+            <a:avLst/>
+          </a:prstGeom>
+          <a:solidFill>
+            <a:srgbClr val="F2F2FF"/>
+          </a:solidFill>
+          <a:ln>
+            <a:noFill/>
+          </a:ln>
+        </p:spPr>
+        <p:style>
+          <a:lnRef idx="2">
+            <a:schemeClr val="accent1">
+              <a:shade val="50000"/>
+            </a:schemeClr>
+          </a:lnRef>
+          <a:fillRef idx="1">
+            <a:schemeClr val="accent1"/>
+          </a:fillRef>
+          <a:effectRef idx="0">
+            <a:schemeClr val="accent1"/>
+          </a:effectRef>
+          <a:fontRef idx="minor">
+            <a:schemeClr val="lt1"/>
+          </a:fontRef>
+        </p:style>
+        <p:txBody>
+          <a:bodyPr rtlCol="0" anchor="ctr"/>
+          <a:lstStyle/>
+          <a:p>
+            <a:pPr algn="ctr"/>
+            <a:endParaRPr kumimoji="1" lang="ja-JP" altLang="en-US"/>
+          </a:p>
+        </p:txBody>
+      </p:sp>
+      <p:sp>
+        <p:nvSpPr>
+          <p:cNvPr id="7" name="テキスト ボックス 6">
+            <a:extLst>
+              <a:ext uri="{FF2B5EF4-FFF2-40B4-BE49-F238E27FC236}">
+                <a16:creationId xmlns:a16="http://schemas.microsoft.com/office/drawing/2014/main" id="{1B31C5C2-41D0-34CB-5D56-FE3E7BCABB04}"/>
+              </a:ext>
+            </a:extLst>
+          </p:cNvPr>
+          <p:cNvSpPr txBox="1"/>
+          <p:nvPr/>
+        </p:nvSpPr>
+        <p:spPr>
+          <a:xfrm>
+            <a:off x="1" y="-852406"/>
+            <a:ext cx="7199312" cy="8051720"/>
+          </a:xfrm>
+          <a:prstGeom prst="rect">
+            <a:avLst/>
+          </a:prstGeom>
+          <a:solidFill>
+            <a:schemeClr val="bg1"/>
+          </a:solidFill>
+        </p:spPr>
+        <p:txBody>
+          <a:bodyPr wrap="square" rtlCol="0" anchor="ctr" anchorCtr="1">
+            <a:noAutofit/>
+          </a:bodyPr>
+          <a:lstStyle/>
+          <a:p>
+            <a:r>
+              <a:rPr kumimoji="1" lang="en-US" altLang="ja-JP" sz="48000" b="1" dirty="0">
+                <a:ln w="19050">
+                  <a:solidFill>
+                    <a:schemeClr val="tx1"/>
+                  </a:solidFill>
+                </a:ln>
+                <a:latin typeface="SF Pro Display Black" pitchFamily="2" charset="0"/>
+                <a:ea typeface="SF Pro Display Black" pitchFamily="2" charset="0"/>
+                <a:cs typeface="SF Pro Display Black" pitchFamily="2" charset="0"/>
+              </a:rPr>
+              <a:t>×</a:t>
+            </a:r>
+            <a:endParaRPr kumimoji="1" lang="ja-JP" altLang="en-US" sz="48000" b="1">
+              <a:ln w="19050">
+                <a:solidFill>
+                  <a:schemeClr val="tx1"/>
+                </a:solidFill>
+              </a:ln>
+              <a:latin typeface="SF Pro Display Black" pitchFamily="2" charset="0"/>
+              <a:cs typeface="SF Pro Display Black" pitchFamily="2" charset="0"/>
+            </a:endParaRPr>
+          </a:p>
+        </p:txBody>
+      </p:sp>
+    </p:spTree>
+    <p:extLst>
+      <p:ext uri="{BB962C8B-B14F-4D97-AF65-F5344CB8AC3E}">
+        <p14:creationId xmlns:p14="http://schemas.microsoft.com/office/powerpoint/2010/main" val="2644448124"/>
+      </p:ext>
+    </p:extLst>
+  </p:cSld>
+  <p:clrMapOvr>
+    <a:masterClrMapping/>
+  </p:clrMapOvr>
+</p:sld>
+</file>
+
 <file path=ppt/slides/slide2.xml><?xml version="1.0" encoding="utf-8"?>
 <p:sld xmlns:a="http://schemas.openxmlformats.org/drawingml/2006/main" xmlns:r="http://schemas.openxmlformats.org/officeDocument/2006/relationships" xmlns:p="http://schemas.openxmlformats.org/presentationml/2006/main">
   <p:cSld>
